--- a/Seminar One/VLI Workspace.pptx
+++ b/Seminar One/VLI Workspace.pptx
@@ -13,8 +13,8 @@
   <p:sldIdLst>
     <p:sldId id="275" r:id="rId5"/>
     <p:sldId id="274" r:id="rId6"/>
-    <p:sldId id="277" r:id="rId7"/>
-    <p:sldId id="278" r:id="rId8"/>
+    <p:sldId id="278" r:id="rId7"/>
+    <p:sldId id="277" r:id="rId8"/>
   </p:sldIdLst>
   <p:sldSz cx="9144000" cy="6858000" type="screen4x3"/>
   <p:notesSz cx="6858000" cy="9144000"/>
@@ -2631,15 +2631,7 @@
             </a:br>
             <a:r>
               <a:rPr lang="en-US" sz="4000" dirty="0" smtClean="0"/>
-              <a:t>(aka </a:t>
-            </a:r>
-            <a:r>
-              <a:rPr lang="en-US" sz="4000" dirty="0" err="1" smtClean="0"/>
-              <a:t>Vocareum</a:t>
-            </a:r>
-            <a:r>
-              <a:rPr lang="en-US" sz="4000" dirty="0" smtClean="0"/>
-              <a:t> Container Lab)</a:t>
+              <a:t/>
             </a:r>
             <a:br>
               <a:rPr lang="en-US" sz="4000" dirty="0" smtClean="0"/>
@@ -2755,19 +2747,11 @@
             <a:pPr lvl="1"/>
             <a:r>
               <a:rPr lang="en-US" dirty="0" smtClean="0"/>
-              <a:t>Tools available: Eclipse, VS Code, </a:t>
-            </a:r>
-            <a:r>
-              <a:rPr lang="en-US" dirty="0" err="1" smtClean="0"/>
-              <a:t>Thonny</a:t>
+              <a:t>Tools available: </a:t>
             </a:r>
             <a:r>
               <a:rPr lang="en-US" dirty="0" smtClean="0"/>
-              <a:t>, and </a:t>
-            </a:r>
-            <a:r>
-              <a:rPr lang="en-US" dirty="0" err="1" smtClean="0"/>
-              <a:t>PyCharm</a:t>
+              <a:t>VS Code</a:t>
             </a:r>
             <a:endParaRPr lang="en-US" dirty="0" smtClean="0"/>
           </a:p>
@@ -2910,15 +2894,7 @@
           <a:p>
             <a:r>
               <a:rPr lang="en-US" dirty="0" smtClean="0"/>
-              <a:t>Installing </a:t>
-            </a:r>
-            <a:r>
-              <a:rPr lang="en-US" dirty="0" err="1" smtClean="0"/>
-              <a:t>Jupyter</a:t>
-            </a:r>
-            <a:r>
-              <a:rPr lang="en-US" dirty="0" smtClean="0"/>
-              <a:t> Notebook</a:t>
+              <a:t>Seminar One</a:t>
             </a:r>
             <a:endParaRPr lang="en-SG" dirty="0"/>
           </a:p>
@@ -2939,48 +2915,220 @@
           <a:bodyPr/>
           <a:lstStyle/>
           <a:p>
-            <a:r>
-              <a:rPr lang="en-SG" dirty="0"/>
-              <a:t>python3 -m </a:t>
-            </a:r>
-            <a:r>
-              <a:rPr lang="en-SG" dirty="0" err="1"/>
-              <a:t>venv</a:t>
-            </a:r>
-            <a:r>
-              <a:rPr lang="en-SG" dirty="0"/>
+            <a:pPr>
+              <a:spcBef>
+                <a:spcPts val="0"/>
+              </a:spcBef>
+            </a:pPr>
+            <a:r>
+              <a:rPr lang="en-US" sz="1800" dirty="0" smtClean="0"/>
+              <a:t>Go through the IDEs, but will focus on VS Code</a:t>
+            </a:r>
+          </a:p>
+          <a:p>
+            <a:pPr>
+              <a:spcBef>
+                <a:spcPts val="0"/>
+              </a:spcBef>
+            </a:pPr>
+            <a:r>
+              <a:rPr lang="en-US" sz="1800" dirty="0" smtClean="0"/>
+              <a:t>Python documentation:</a:t>
+            </a:r>
+          </a:p>
+          <a:p>
+            <a:pPr lvl="1">
+              <a:spcBef>
+                <a:spcPts val="0"/>
+              </a:spcBef>
+            </a:pPr>
+            <a:r>
+              <a:rPr lang="en-US" sz="1800" dirty="0">
+                <a:hlinkClick r:id="rId2"/>
+              </a:rPr>
+              <a:t>https://docs.python.org/3.8</a:t>
+            </a:r>
+            <a:r>
+              <a:rPr lang="en-US" sz="1800" dirty="0" smtClean="0">
+                <a:hlinkClick r:id="rId2"/>
+              </a:rPr>
+              <a:t>/</a:t>
+            </a:r>
+            <a:r>
+              <a:rPr lang="en-US" sz="1800" dirty="0" smtClean="0"/>
               <a:t> </a:t>
             </a:r>
-            <a:r>
-              <a:rPr lang="en-SG" dirty="0" err="1"/>
-              <a:t>env</a:t>
-            </a:r>
-            <a:endParaRPr lang="en-SG" dirty="0"/>
-          </a:p>
-          <a:p>
-            <a:r>
-              <a:rPr lang="en-SG" dirty="0"/>
-              <a:t>source </a:t>
-            </a:r>
-            <a:r>
-              <a:rPr lang="en-SG" dirty="0" err="1"/>
-              <a:t>env</a:t>
-            </a:r>
-            <a:r>
-              <a:rPr lang="en-SG" dirty="0"/>
-              <a:t>/bin/activate</a:t>
-            </a:r>
-          </a:p>
-          <a:p>
-            <a:r>
-              <a:rPr lang="en-SG" dirty="0"/>
-              <a:t>pip install </a:t>
-            </a:r>
-            <a:r>
-              <a:rPr lang="en-SG" dirty="0" err="1"/>
-              <a:t>jupyter</a:t>
-            </a:r>
-            <a:endParaRPr lang="en-SG" dirty="0"/>
+          </a:p>
+          <a:p>
+            <a:pPr lvl="1">
+              <a:spcBef>
+                <a:spcPts val="0"/>
+              </a:spcBef>
+            </a:pPr>
+            <a:r>
+              <a:rPr lang="en-US" sz="1800" dirty="0" smtClean="0">
+                <a:hlinkClick r:id="rId3"/>
+              </a:rPr>
+              <a:t>https</a:t>
+            </a:r>
+            <a:r>
+              <a:rPr lang="en-US" sz="1800" dirty="0">
+                <a:hlinkClick r:id="rId3"/>
+              </a:rPr>
+              <a:t>://</a:t>
+            </a:r>
+            <a:r>
+              <a:rPr lang="en-US" sz="1800" dirty="0" smtClean="0">
+                <a:hlinkClick r:id="rId3"/>
+              </a:rPr>
+              <a:t>docs.python.org/3.8/library/</a:t>
+            </a:r>
+            <a:r>
+              <a:rPr lang="en-US" sz="1800" dirty="0" smtClean="0"/>
+              <a:t> </a:t>
+            </a:r>
+          </a:p>
+          <a:p>
+            <a:pPr>
+              <a:spcBef>
+                <a:spcPts val="0"/>
+              </a:spcBef>
+            </a:pPr>
+            <a:r>
+              <a:rPr lang="en-US" sz="1800" dirty="0" smtClean="0"/>
+              <a:t>Introduce VS Code</a:t>
+            </a:r>
+          </a:p>
+          <a:p>
+            <a:pPr lvl="1">
+              <a:spcBef>
+                <a:spcPts val="0"/>
+              </a:spcBef>
+            </a:pPr>
+            <a:r>
+              <a:rPr lang="en-US" sz="1800" dirty="0" smtClean="0"/>
+              <a:t>Introduce REPL</a:t>
+            </a:r>
+          </a:p>
+          <a:p>
+            <a:pPr>
+              <a:spcBef>
+                <a:spcPts val="0"/>
+              </a:spcBef>
+            </a:pPr>
+            <a:r>
+              <a:rPr lang="en-US" sz="1800" dirty="0" smtClean="0"/>
+              <a:t>Introduce print and f-expression (</a:t>
+            </a:r>
+            <a:r>
+              <a:rPr lang="en-US" sz="1800" dirty="0"/>
+              <a:t>f-expression pointer: </a:t>
+            </a:r>
+            <a:r>
+              <a:rPr lang="en-US" sz="1800" dirty="0">
+                <a:hlinkClick r:id="rId4"/>
+              </a:rPr>
+              <a:t>https://zetcode.com/python/fstring</a:t>
+            </a:r>
+            <a:r>
+              <a:rPr lang="en-US" sz="1800" dirty="0" smtClean="0">
+                <a:hlinkClick r:id="rId4"/>
+              </a:rPr>
+              <a:t>/</a:t>
+            </a:r>
+            <a:r>
+              <a:rPr lang="en-US" sz="1800" dirty="0" smtClean="0"/>
+              <a:t> )</a:t>
+            </a:r>
+          </a:p>
+          <a:p>
+            <a:pPr lvl="1">
+              <a:spcBef>
+                <a:spcPts val="0"/>
+              </a:spcBef>
+            </a:pPr>
+            <a:r>
+              <a:rPr lang="en-US" sz="1800" dirty="0" err="1"/>
+              <a:t>s</a:t>
+            </a:r>
+            <a:r>
+              <a:rPr lang="en-US" sz="1800" dirty="0" err="1" smtClean="0"/>
+              <a:t>ep</a:t>
+            </a:r>
+            <a:r>
+              <a:rPr lang="en-US" sz="1800" dirty="0" smtClean="0"/>
+              <a:t> and end</a:t>
+            </a:r>
+          </a:p>
+          <a:p>
+            <a:pPr>
+              <a:spcBef>
+                <a:spcPts val="0"/>
+              </a:spcBef>
+            </a:pPr>
+            <a:r>
+              <a:rPr lang="en-US" sz="1800" dirty="0" smtClean="0"/>
+              <a:t>Go through slides</a:t>
+            </a:r>
+          </a:p>
+          <a:p>
+            <a:pPr lvl="1">
+              <a:spcBef>
+                <a:spcPts val="0"/>
+              </a:spcBef>
+            </a:pPr>
+            <a:r>
+              <a:rPr lang="en-US" sz="1800" dirty="0" smtClean="0"/>
+              <a:t>Variable is case sensitive.</a:t>
+            </a:r>
+          </a:p>
+          <a:p>
+            <a:pPr lvl="1">
+              <a:spcBef>
+                <a:spcPts val="0"/>
+              </a:spcBef>
+            </a:pPr>
+            <a:r>
+              <a:rPr lang="en-US" sz="1800" dirty="0" smtClean="0"/>
+              <a:t>Multiple assignments</a:t>
+            </a:r>
+          </a:p>
+          <a:p>
+            <a:pPr lvl="1">
+              <a:spcBef>
+                <a:spcPts val="0"/>
+              </a:spcBef>
+            </a:pPr>
+            <a:r>
+              <a:rPr lang="en-US" sz="1800" dirty="0" smtClean="0"/>
+              <a:t>Input statement</a:t>
+            </a:r>
+          </a:p>
+          <a:p>
+            <a:pPr lvl="2">
+              <a:spcBef>
+                <a:spcPts val="0"/>
+              </a:spcBef>
+            </a:pPr>
+            <a:r>
+              <a:rPr lang="en-US" sz="1800" dirty="0"/>
+              <a:t>t</a:t>
+            </a:r>
+            <a:r>
+              <a:rPr lang="en-US" sz="1800" dirty="0" smtClean="0"/>
+              <a:t>ype conversion form string input</a:t>
+            </a:r>
+          </a:p>
+          <a:p>
+            <a:pPr lvl="1">
+              <a:spcBef>
+                <a:spcPts val="0"/>
+              </a:spcBef>
+            </a:pPr>
+            <a:endParaRPr lang="en-US" sz="1800" dirty="0" smtClean="0"/>
+          </a:p>
+          <a:p>
+            <a:endParaRPr lang="en-SG" sz="1800" dirty="0"/>
           </a:p>
         </p:txBody>
       </p:sp>
@@ -3011,7 +3159,7 @@
     </p:spTree>
     <p:extLst>
       <p:ext uri="{BB962C8B-B14F-4D97-AF65-F5344CB8AC3E}">
-        <p14:creationId xmlns:p14="http://schemas.microsoft.com/office/powerpoint/2010/main" val="152768248"/>
+        <p14:creationId xmlns:p14="http://schemas.microsoft.com/office/powerpoint/2010/main" val="644047990"/>
       </p:ext>
     </p:extLst>
   </p:cSld>
@@ -3055,7 +3203,15 @@
           <a:p>
             <a:r>
               <a:rPr lang="en-US" dirty="0" smtClean="0"/>
-              <a:t>Seminar One</a:t>
+              <a:t>Installing </a:t>
+            </a:r>
+            <a:r>
+              <a:rPr lang="en-US" dirty="0" err="1" smtClean="0"/>
+              <a:t>Jupyter</a:t>
+            </a:r>
+            <a:r>
+              <a:rPr lang="en-US" dirty="0" smtClean="0"/>
+              <a:t> Notebook</a:t>
             </a:r>
             <a:endParaRPr lang="en-SG" dirty="0"/>
           </a:p>
@@ -3076,220 +3232,48 @@
           <a:bodyPr/>
           <a:lstStyle/>
           <a:p>
-            <a:pPr>
-              <a:spcBef>
-                <a:spcPts val="0"/>
-              </a:spcBef>
-            </a:pPr>
-            <a:r>
-              <a:rPr lang="en-US" sz="1800" dirty="0" smtClean="0"/>
-              <a:t>Go through the IDEs, but will focus on VS Code</a:t>
-            </a:r>
-          </a:p>
-          <a:p>
-            <a:pPr>
-              <a:spcBef>
-                <a:spcPts val="0"/>
-              </a:spcBef>
-            </a:pPr>
-            <a:r>
-              <a:rPr lang="en-US" sz="1800" dirty="0" smtClean="0"/>
-              <a:t>Python documentation:</a:t>
-            </a:r>
-          </a:p>
-          <a:p>
-            <a:pPr lvl="1">
-              <a:spcBef>
-                <a:spcPts val="0"/>
-              </a:spcBef>
-            </a:pPr>
-            <a:r>
-              <a:rPr lang="en-US" sz="1800" dirty="0">
-                <a:hlinkClick r:id="rId2"/>
-              </a:rPr>
-              <a:t>https://docs.python.org/3.8</a:t>
-            </a:r>
-            <a:r>
-              <a:rPr lang="en-US" sz="1800" dirty="0" smtClean="0">
-                <a:hlinkClick r:id="rId2"/>
-              </a:rPr>
-              <a:t>/</a:t>
-            </a:r>
-            <a:r>
-              <a:rPr lang="en-US" sz="1800" dirty="0" smtClean="0"/>
+            <a:r>
+              <a:rPr lang="en-SG" dirty="0"/>
+              <a:t>python3 -m </a:t>
+            </a:r>
+            <a:r>
+              <a:rPr lang="en-SG" dirty="0" err="1"/>
+              <a:t>venv</a:t>
+            </a:r>
+            <a:r>
+              <a:rPr lang="en-SG" dirty="0"/>
               <a:t> </a:t>
             </a:r>
-          </a:p>
-          <a:p>
-            <a:pPr lvl="1">
-              <a:spcBef>
-                <a:spcPts val="0"/>
-              </a:spcBef>
-            </a:pPr>
-            <a:r>
-              <a:rPr lang="en-US" sz="1800" dirty="0" smtClean="0">
-                <a:hlinkClick r:id="rId3"/>
-              </a:rPr>
-              <a:t>https</a:t>
-            </a:r>
-            <a:r>
-              <a:rPr lang="en-US" sz="1800" dirty="0">
-                <a:hlinkClick r:id="rId3"/>
-              </a:rPr>
-              <a:t>://</a:t>
-            </a:r>
-            <a:r>
-              <a:rPr lang="en-US" sz="1800" dirty="0" smtClean="0">
-                <a:hlinkClick r:id="rId3"/>
-              </a:rPr>
-              <a:t>docs.python.org/3.8/library/</a:t>
-            </a:r>
-            <a:r>
-              <a:rPr lang="en-US" sz="1800" dirty="0" smtClean="0"/>
-              <a:t> </a:t>
-            </a:r>
-          </a:p>
-          <a:p>
-            <a:pPr>
-              <a:spcBef>
-                <a:spcPts val="0"/>
-              </a:spcBef>
-            </a:pPr>
-            <a:r>
-              <a:rPr lang="en-US" sz="1800" dirty="0" smtClean="0"/>
-              <a:t>Introduce VS Code</a:t>
-            </a:r>
-          </a:p>
-          <a:p>
-            <a:pPr lvl="1">
-              <a:spcBef>
-                <a:spcPts val="0"/>
-              </a:spcBef>
-            </a:pPr>
-            <a:r>
-              <a:rPr lang="en-US" sz="1800" dirty="0" smtClean="0"/>
-              <a:t>Introduce REPL</a:t>
-            </a:r>
-          </a:p>
-          <a:p>
-            <a:pPr>
-              <a:spcBef>
-                <a:spcPts val="0"/>
-              </a:spcBef>
-            </a:pPr>
-            <a:r>
-              <a:rPr lang="en-US" sz="1800" dirty="0" smtClean="0"/>
-              <a:t>Introduce print and f-expression (</a:t>
-            </a:r>
-            <a:r>
-              <a:rPr lang="en-US" sz="1800" dirty="0"/>
-              <a:t>f-expression pointer: </a:t>
-            </a:r>
-            <a:r>
-              <a:rPr lang="en-US" sz="1800" dirty="0">
-                <a:hlinkClick r:id="rId4"/>
-              </a:rPr>
-              <a:t>https://zetcode.com/python/fstring</a:t>
-            </a:r>
-            <a:r>
-              <a:rPr lang="en-US" sz="1800" dirty="0" smtClean="0">
-                <a:hlinkClick r:id="rId4"/>
-              </a:rPr>
-              <a:t>/</a:t>
-            </a:r>
-            <a:r>
-              <a:rPr lang="en-US" sz="1800" dirty="0" smtClean="0"/>
-              <a:t> )</a:t>
-            </a:r>
-          </a:p>
-          <a:p>
-            <a:pPr lvl="1">
-              <a:spcBef>
-                <a:spcPts val="0"/>
-              </a:spcBef>
-            </a:pPr>
-            <a:r>
-              <a:rPr lang="en-US" sz="1800" dirty="0" err="1"/>
-              <a:t>s</a:t>
-            </a:r>
-            <a:r>
-              <a:rPr lang="en-US" sz="1800" dirty="0" err="1" smtClean="0"/>
-              <a:t>ep</a:t>
-            </a:r>
-            <a:r>
-              <a:rPr lang="en-US" sz="1800" dirty="0" smtClean="0"/>
-              <a:t> and end</a:t>
-            </a:r>
-          </a:p>
-          <a:p>
-            <a:pPr>
-              <a:spcBef>
-                <a:spcPts val="0"/>
-              </a:spcBef>
-            </a:pPr>
-            <a:r>
-              <a:rPr lang="en-US" sz="1800" dirty="0" smtClean="0"/>
-              <a:t>Go through slides</a:t>
-            </a:r>
-          </a:p>
-          <a:p>
-            <a:pPr lvl="1">
-              <a:spcBef>
-                <a:spcPts val="0"/>
-              </a:spcBef>
-            </a:pPr>
-            <a:r>
-              <a:rPr lang="en-US" sz="1800" dirty="0" smtClean="0"/>
-              <a:t>Variable is case sensitive.</a:t>
-            </a:r>
-          </a:p>
-          <a:p>
-            <a:pPr lvl="1">
-              <a:spcBef>
-                <a:spcPts val="0"/>
-              </a:spcBef>
-            </a:pPr>
-            <a:r>
-              <a:rPr lang="en-US" sz="1800" dirty="0" smtClean="0"/>
-              <a:t>Multiple assignments</a:t>
-            </a:r>
-          </a:p>
-          <a:p>
-            <a:pPr lvl="1">
-              <a:spcBef>
-                <a:spcPts val="0"/>
-              </a:spcBef>
-            </a:pPr>
-            <a:r>
-              <a:rPr lang="en-US" sz="1800" dirty="0" smtClean="0"/>
-              <a:t>Input statement</a:t>
-            </a:r>
-          </a:p>
-          <a:p>
-            <a:pPr lvl="2">
-              <a:spcBef>
-                <a:spcPts val="0"/>
-              </a:spcBef>
-            </a:pPr>
-            <a:r>
-              <a:rPr lang="en-US" sz="1800" dirty="0"/>
-              <a:t>t</a:t>
-            </a:r>
-            <a:r>
-              <a:rPr lang="en-US" sz="1800" dirty="0" smtClean="0"/>
-              <a:t>ype conversion form string input</a:t>
-            </a:r>
-          </a:p>
-          <a:p>
-            <a:pPr lvl="1">
-              <a:spcBef>
-                <a:spcPts val="0"/>
-              </a:spcBef>
-            </a:pPr>
-            <a:endParaRPr lang="en-US" sz="1800" dirty="0" smtClean="0"/>
-          </a:p>
-          <a:p>
-            <a:endParaRPr lang="en-SG" sz="1800" dirty="0"/>
+            <a:r>
+              <a:rPr lang="en-SG" dirty="0" err="1"/>
+              <a:t>env</a:t>
+            </a:r>
+            <a:endParaRPr lang="en-SG" dirty="0"/>
+          </a:p>
+          <a:p>
+            <a:r>
+              <a:rPr lang="en-SG" dirty="0"/>
+              <a:t>source </a:t>
+            </a:r>
+            <a:r>
+              <a:rPr lang="en-SG" dirty="0" err="1"/>
+              <a:t>env</a:t>
+            </a:r>
+            <a:r>
+              <a:rPr lang="en-SG" dirty="0"/>
+              <a:t>/bin/activate</a:t>
+            </a:r>
+          </a:p>
+          <a:p>
+            <a:r>
+              <a:rPr lang="en-SG" dirty="0"/>
+              <a:t>pip install </a:t>
+            </a:r>
+            <a:r>
+              <a:rPr lang="en-SG" dirty="0" err="1"/>
+              <a:t>jupyter</a:t>
+            </a:r>
+            <a:endParaRPr lang="en-SG" dirty="0"/>
           </a:p>
         </p:txBody>
       </p:sp>
@@ -3320,7 +3304,7 @@
     </p:spTree>
     <p:extLst>
       <p:ext uri="{BB962C8B-B14F-4D97-AF65-F5344CB8AC3E}">
-        <p14:creationId xmlns:p14="http://schemas.microsoft.com/office/powerpoint/2010/main" val="644047990"/>
+        <p14:creationId xmlns:p14="http://schemas.microsoft.com/office/powerpoint/2010/main" val="152768248"/>
       </p:ext>
     </p:extLst>
   </p:cSld>
@@ -4268,12 +4252,12 @@
 </file>
 
 <file path=customXml/item1.xml><?xml version="1.0" encoding="utf-8"?>
-<p:properties xmlns:p="http://schemas.microsoft.com/office/2006/metadata/properties" xmlns:xsi="http://www.w3.org/2001/XMLSchema-instance">
-  <documentManagement>
-    <PublishingExpirationDate xmlns="http://schemas.microsoft.com/sharepoint/v3" xsi:nil="true"/>
-    <PublishingStartDate xmlns="http://schemas.microsoft.com/sharepoint/v3" xsi:nil="true"/>
-  </documentManagement>
-</p:properties>
+<?mso-contentType ?>
+<FormTemplates xmlns="http://schemas.microsoft.com/sharepoint/v3/contenttype/forms">
+  <Display>DocumentLibraryForm</Display>
+  <Edit>DocumentLibraryForm</Edit>
+  <New>DocumentLibraryForm</New>
+</FormTemplates>
 </file>
 
 <file path=customXml/item2.xml><?xml version="1.0" encoding="utf-8"?>
@@ -4409,26 +4393,18 @@
 </file>
 
 <file path=customXml/item3.xml><?xml version="1.0" encoding="utf-8"?>
-<?mso-contentType ?>
-<FormTemplates xmlns="http://schemas.microsoft.com/sharepoint/v3/contenttype/forms">
-  <Display>DocumentLibraryForm</Display>
-  <Edit>DocumentLibraryForm</Edit>
-  <New>DocumentLibraryForm</New>
-</FormTemplates>
+<p:properties xmlns:p="http://schemas.microsoft.com/office/2006/metadata/properties" xmlns:xsi="http://www.w3.org/2001/XMLSchema-instance">
+  <documentManagement>
+    <PublishingExpirationDate xmlns="http://schemas.microsoft.com/sharepoint/v3" xsi:nil="true"/>
+    <PublishingStartDate xmlns="http://schemas.microsoft.com/sharepoint/v3" xsi:nil="true"/>
+  </documentManagement>
+</p:properties>
 </file>
 
 <file path=customXml/itemProps1.xml><?xml version="1.0" encoding="utf-8"?>
-<ds:datastoreItem xmlns:ds="http://schemas.openxmlformats.org/officeDocument/2006/customXml" ds:itemID="{50BC6695-9009-4E8C-96D7-2BD9B437109A}">
+<ds:datastoreItem xmlns:ds="http://schemas.openxmlformats.org/officeDocument/2006/customXml" ds:itemID="{A8AED1B3-2F45-4762-91FA-ED08F295B52E}">
   <ds:schemaRefs>
-    <ds:schemaRef ds:uri="http://purl.org/dc/elements/1.1/"/>
-    <ds:schemaRef ds:uri="http://schemas.microsoft.com/office/2006/metadata/properties"/>
-    <ds:schemaRef ds:uri="http://schemas.microsoft.com/office/2006/documentManagement/types"/>
-    <ds:schemaRef ds:uri="http://schemas.microsoft.com/sharepoint/v3"/>
-    <ds:schemaRef ds:uri="http://purl.org/dc/terms/"/>
-    <ds:schemaRef ds:uri="http://schemas.openxmlformats.org/package/2006/metadata/core-properties"/>
-    <ds:schemaRef ds:uri="http://purl.org/dc/dcmitype/"/>
-    <ds:schemaRef ds:uri="http://schemas.microsoft.com/office/infopath/2007/PartnerControls"/>
-    <ds:schemaRef ds:uri="http://www.w3.org/XML/1998/namespace"/>
+    <ds:schemaRef ds:uri="http://schemas.microsoft.com/sharepoint/v3/contenttype/forms"/>
   </ds:schemaRefs>
 </ds:datastoreItem>
 </file>
@@ -4452,9 +4428,17 @@
 </file>
 
 <file path=customXml/itemProps3.xml><?xml version="1.0" encoding="utf-8"?>
-<ds:datastoreItem xmlns:ds="http://schemas.openxmlformats.org/officeDocument/2006/customXml" ds:itemID="{A8AED1B3-2F45-4762-91FA-ED08F295B52E}">
+<ds:datastoreItem xmlns:ds="http://schemas.openxmlformats.org/officeDocument/2006/customXml" ds:itemID="{50BC6695-9009-4E8C-96D7-2BD9B437109A}">
   <ds:schemaRefs>
-    <ds:schemaRef ds:uri="http://schemas.microsoft.com/sharepoint/v3/contenttype/forms"/>
+    <ds:schemaRef ds:uri="http://purl.org/dc/elements/1.1/"/>
+    <ds:schemaRef ds:uri="http://schemas.microsoft.com/office/2006/metadata/properties"/>
+    <ds:schemaRef ds:uri="http://schemas.microsoft.com/office/2006/documentManagement/types"/>
+    <ds:schemaRef ds:uri="http://schemas.microsoft.com/sharepoint/v3"/>
+    <ds:schemaRef ds:uri="http://purl.org/dc/terms/"/>
+    <ds:schemaRef ds:uri="http://schemas.openxmlformats.org/package/2006/metadata/core-properties"/>
+    <ds:schemaRef ds:uri="http://purl.org/dc/dcmitype/"/>
+    <ds:schemaRef ds:uri="http://schemas.microsoft.com/office/infopath/2007/PartnerControls"/>
+    <ds:schemaRef ds:uri="http://www.w3.org/XML/1998/namespace"/>
   </ds:schemaRefs>
 </ds:datastoreItem>
 </file>